--- a/Shpe Flyers/Meetings Flyers .pptx
+++ b/Shpe Flyers/Meetings Flyers .pptx
@@ -7,6 +7,7 @@
   <p:sldIdLst>
     <p:sldId id="256" r:id="rId2"/>
     <p:sldId id="257" r:id="rId3"/>
+    <p:sldId id="258" r:id="rId4"/>
   </p:sldIdLst>
   <p:sldSz cx="10287000" cy="12857163"/>
   <p:notesSz cx="6858000" cy="9144000"/>
@@ -244,7 +245,7 @@
           <a:p>
             <a:fld id="{1C64307A-394F-4F00-9525-D2B48C874A60}" type="datetimeFigureOut">
               <a:rPr lang="en-US" smtClean="0"/>
-              <a:t>2/6/2024</a:t>
+              <a:t>2/15/2024</a:t>
             </a:fld>
             <a:endParaRPr lang="en-US"/>
           </a:p>
@@ -414,7 +415,7 @@
           <a:p>
             <a:fld id="{1C64307A-394F-4F00-9525-D2B48C874A60}" type="datetimeFigureOut">
               <a:rPr lang="en-US" smtClean="0"/>
-              <a:t>2/6/2024</a:t>
+              <a:t>2/15/2024</a:t>
             </a:fld>
             <a:endParaRPr lang="en-US"/>
           </a:p>
@@ -594,7 +595,7 @@
           <a:p>
             <a:fld id="{1C64307A-394F-4F00-9525-D2B48C874A60}" type="datetimeFigureOut">
               <a:rPr lang="en-US" smtClean="0"/>
-              <a:t>2/6/2024</a:t>
+              <a:t>2/15/2024</a:t>
             </a:fld>
             <a:endParaRPr lang="en-US"/>
           </a:p>
@@ -764,7 +765,7 @@
           <a:p>
             <a:fld id="{1C64307A-394F-4F00-9525-D2B48C874A60}" type="datetimeFigureOut">
               <a:rPr lang="en-US" smtClean="0"/>
-              <a:t>2/6/2024</a:t>
+              <a:t>2/15/2024</a:t>
             </a:fld>
             <a:endParaRPr lang="en-US"/>
           </a:p>
@@ -1008,7 +1009,7 @@
           <a:p>
             <a:fld id="{1C64307A-394F-4F00-9525-D2B48C874A60}" type="datetimeFigureOut">
               <a:rPr lang="en-US" smtClean="0"/>
-              <a:t>2/6/2024</a:t>
+              <a:t>2/15/2024</a:t>
             </a:fld>
             <a:endParaRPr lang="en-US"/>
           </a:p>
@@ -1240,7 +1241,7 @@
           <a:p>
             <a:fld id="{1C64307A-394F-4F00-9525-D2B48C874A60}" type="datetimeFigureOut">
               <a:rPr lang="en-US" smtClean="0"/>
-              <a:t>2/6/2024</a:t>
+              <a:t>2/15/2024</a:t>
             </a:fld>
             <a:endParaRPr lang="en-US"/>
           </a:p>
@@ -1607,7 +1608,7 @@
           <a:p>
             <a:fld id="{1C64307A-394F-4F00-9525-D2B48C874A60}" type="datetimeFigureOut">
               <a:rPr lang="en-US" smtClean="0"/>
-              <a:t>2/6/2024</a:t>
+              <a:t>2/15/2024</a:t>
             </a:fld>
             <a:endParaRPr lang="en-US"/>
           </a:p>
@@ -1725,7 +1726,7 @@
           <a:p>
             <a:fld id="{1C64307A-394F-4F00-9525-D2B48C874A60}" type="datetimeFigureOut">
               <a:rPr lang="en-US" smtClean="0"/>
-              <a:t>2/6/2024</a:t>
+              <a:t>2/15/2024</a:t>
             </a:fld>
             <a:endParaRPr lang="en-US"/>
           </a:p>
@@ -1820,7 +1821,7 @@
           <a:p>
             <a:fld id="{1C64307A-394F-4F00-9525-D2B48C874A60}" type="datetimeFigureOut">
               <a:rPr lang="en-US" smtClean="0"/>
-              <a:t>2/6/2024</a:t>
+              <a:t>2/15/2024</a:t>
             </a:fld>
             <a:endParaRPr lang="en-US"/>
           </a:p>
@@ -2097,7 +2098,7 @@
           <a:p>
             <a:fld id="{1C64307A-394F-4F00-9525-D2B48C874A60}" type="datetimeFigureOut">
               <a:rPr lang="en-US" smtClean="0"/>
-              <a:t>2/6/2024</a:t>
+              <a:t>2/15/2024</a:t>
             </a:fld>
             <a:endParaRPr lang="en-US"/>
           </a:p>
@@ -2354,7 +2355,7 @@
           <a:p>
             <a:fld id="{1C64307A-394F-4F00-9525-D2B48C874A60}" type="datetimeFigureOut">
               <a:rPr lang="en-US" smtClean="0"/>
-              <a:t>2/6/2024</a:t>
+              <a:t>2/15/2024</a:t>
             </a:fld>
             <a:endParaRPr lang="en-US"/>
           </a:p>
@@ -2567,7 +2568,7 @@
           <a:p>
             <a:fld id="{1C64307A-394F-4F00-9525-D2B48C874A60}" type="datetimeFigureOut">
               <a:rPr lang="en-US" smtClean="0"/>
-              <a:t>2/6/2024</a:t>
+              <a:t>2/15/2024</a:t>
             </a:fld>
             <a:endParaRPr lang="en-US"/>
           </a:p>
@@ -3924,7 +3925,7 @@
         </p:nvSpPr>
         <p:spPr>
           <a:xfrm>
-            <a:off x="8019724" y="5743093"/>
+            <a:off x="7999705" y="5743093"/>
             <a:ext cx="9601941" cy="535531"/>
           </a:xfrm>
           <a:prstGeom prst="rect">
@@ -4622,7 +4623,7 @@
         </p:nvSpPr>
         <p:spPr>
           <a:xfrm>
-            <a:off x="7587181" y="6212750"/>
+            <a:off x="7252137" y="7432920"/>
             <a:ext cx="2699819" cy="1144082"/>
           </a:xfrm>
           <a:prstGeom prst="rect">
@@ -5127,7 +5128,7 @@
                 <a:latin typeface="Aharoni" panose="02010803020104030203" pitchFamily="2" charset="-79"/>
                 <a:cs typeface="Aharoni" panose="02010803020104030203" pitchFamily="2" charset="-79"/>
               </a:rPr>
-              <a:t>6:00</a:t>
+              <a:t>5:30</a:t>
             </a:r>
             <a:r>
               <a:rPr lang="en-US" sz="2600" dirty="0">
@@ -5785,6 +5786,1492 @@
     <p:extLst>
       <p:ext uri="{BB962C8B-B14F-4D97-AF65-F5344CB8AC3E}">
         <p14:creationId xmlns:p14="http://schemas.microsoft.com/office/powerpoint/2010/main" val="808948840"/>
+      </p:ext>
+    </p:extLst>
+  </p:cSld>
+  <p:clrMapOvr>
+    <a:masterClrMapping/>
+  </p:clrMapOvr>
+</p:sld>
+</file>
+
+<file path=ppt/slides/slide3.xml><?xml version="1.0" encoding="utf-8"?>
+<p:sld xmlns:a="http://schemas.openxmlformats.org/drawingml/2006/main" xmlns:r="http://schemas.openxmlformats.org/officeDocument/2006/relationships" xmlns:p="http://schemas.openxmlformats.org/presentationml/2006/main">
+  <p:cSld>
+    <p:spTree>
+      <p:nvGrpSpPr>
+        <p:cNvPr id="1" name=""/>
+        <p:cNvGrpSpPr/>
+        <p:nvPr/>
+      </p:nvGrpSpPr>
+      <p:grpSpPr>
+        <a:xfrm>
+          <a:off x="0" y="0"/>
+          <a:ext cx="0" cy="0"/>
+          <a:chOff x="0" y="0"/>
+          <a:chExt cx="0" cy="0"/>
+        </a:xfrm>
+      </p:grpSpPr>
+      <p:sp>
+        <p:nvSpPr>
+          <p:cNvPr id="4" name="Rectangle 3">
+            <a:extLst>
+              <a:ext uri="{FF2B5EF4-FFF2-40B4-BE49-F238E27FC236}">
+                <a16:creationId xmlns:a16="http://schemas.microsoft.com/office/drawing/2014/main" id="{9F94F7DC-60F7-CA6A-9396-FE66CB769527}"/>
+              </a:ext>
+            </a:extLst>
+          </p:cNvPr>
+          <p:cNvSpPr/>
+          <p:nvPr/>
+        </p:nvSpPr>
+        <p:spPr>
+          <a:xfrm>
+            <a:off x="638" y="5781561"/>
+            <a:ext cx="10285719" cy="436564"/>
+          </a:xfrm>
+          <a:prstGeom prst="rect">
+            <a:avLst/>
+          </a:prstGeom>
+          <a:solidFill>
+            <a:srgbClr val="C8DEE9"/>
+          </a:solidFill>
+          <a:ln>
+            <a:solidFill>
+              <a:srgbClr val="C8DEE9"/>
+            </a:solidFill>
+          </a:ln>
+        </p:spPr>
+        <p:style>
+          <a:lnRef idx="2">
+            <a:schemeClr val="accent1">
+              <a:shade val="15000"/>
+            </a:schemeClr>
+          </a:lnRef>
+          <a:fillRef idx="1">
+            <a:schemeClr val="accent1"/>
+          </a:fillRef>
+          <a:effectRef idx="0">
+            <a:schemeClr val="accent1"/>
+          </a:effectRef>
+          <a:fontRef idx="minor">
+            <a:schemeClr val="lt1"/>
+          </a:fontRef>
+        </p:style>
+        <p:txBody>
+          <a:bodyPr rtlCol="0" anchor="ctr"/>
+          <a:lstStyle/>
+          <a:p>
+            <a:pPr algn="ctr"/>
+            <a:endParaRPr lang="en-US" sz="1524" dirty="0"/>
+          </a:p>
+        </p:txBody>
+      </p:sp>
+      <p:sp>
+        <p:nvSpPr>
+          <p:cNvPr id="5" name="Rectangle 4">
+            <a:extLst>
+              <a:ext uri="{FF2B5EF4-FFF2-40B4-BE49-F238E27FC236}">
+                <a16:creationId xmlns:a16="http://schemas.microsoft.com/office/drawing/2014/main" id="{033559FB-7736-145E-5D62-020EE17FBBE8}"/>
+              </a:ext>
+            </a:extLst>
+          </p:cNvPr>
+          <p:cNvSpPr/>
+          <p:nvPr/>
+        </p:nvSpPr>
+        <p:spPr>
+          <a:xfrm>
+            <a:off x="4767381" y="5776594"/>
+            <a:ext cx="4710449" cy="536089"/>
+          </a:xfrm>
+          <a:prstGeom prst="rect">
+            <a:avLst/>
+          </a:prstGeom>
+          <a:noFill/>
+        </p:spPr>
+        <p:txBody>
+          <a:bodyPr wrap="square" lIns="91994" tIns="45996" rIns="91994" bIns="45996">
+            <a:spAutoFit/>
+          </a:bodyPr>
+          <a:lstStyle/>
+          <a:p>
+            <a:r>
+              <a:rPr lang="en-US" sz="2880" dirty="0">
+                <a:latin typeface="Aharoni" panose="02010803020104030203" pitchFamily="2" charset="-79"/>
+                <a:cs typeface="Aharoni" panose="02010803020104030203" pitchFamily="2" charset="-79"/>
+              </a:rPr>
+              <a:t>Feb</a:t>
+            </a:r>
+            <a:endParaRPr lang="en-US" sz="2655" dirty="0">
+              <a:latin typeface="Aharoni" panose="02010803020104030203" pitchFamily="2" charset="-79"/>
+              <a:cs typeface="Aharoni" panose="02010803020104030203" pitchFamily="2" charset="-79"/>
+            </a:endParaRPr>
+          </a:p>
+        </p:txBody>
+      </p:sp>
+      <p:sp>
+        <p:nvSpPr>
+          <p:cNvPr id="6" name="Rectangle 5">
+            <a:extLst>
+              <a:ext uri="{FF2B5EF4-FFF2-40B4-BE49-F238E27FC236}">
+                <a16:creationId xmlns:a16="http://schemas.microsoft.com/office/drawing/2014/main" id="{B4938CD6-B357-B60B-3B44-5ED7B3B4ED64}"/>
+              </a:ext>
+            </a:extLst>
+          </p:cNvPr>
+          <p:cNvSpPr/>
+          <p:nvPr/>
+        </p:nvSpPr>
+        <p:spPr>
+          <a:xfrm>
+            <a:off x="375616" y="5781558"/>
+            <a:ext cx="4649670" cy="536089"/>
+          </a:xfrm>
+          <a:prstGeom prst="rect">
+            <a:avLst/>
+          </a:prstGeom>
+          <a:noFill/>
+        </p:spPr>
+        <p:txBody>
+          <a:bodyPr wrap="square" lIns="91994" tIns="45996" rIns="91994" bIns="45996">
+            <a:spAutoFit/>
+          </a:bodyPr>
+          <a:lstStyle/>
+          <a:p>
+            <a:r>
+              <a:rPr lang="en-US" sz="2880" dirty="0">
+                <a:latin typeface="Aharoni" panose="02010803020104030203" pitchFamily="2" charset="-79"/>
+                <a:cs typeface="Aharoni" panose="02010803020104030203" pitchFamily="2" charset="-79"/>
+              </a:rPr>
+              <a:t>Room </a:t>
+            </a:r>
+            <a:r>
+              <a:rPr lang="en-US" sz="2880" dirty="0" err="1">
+                <a:latin typeface="Aharoni" panose="02010803020104030203" pitchFamily="2" charset="-79"/>
+                <a:cs typeface="Aharoni" panose="02010803020104030203" pitchFamily="2" charset="-79"/>
+              </a:rPr>
+              <a:t>Tschannen</a:t>
+            </a:r>
+            <a:endParaRPr lang="en-US" sz="2655" dirty="0">
+              <a:latin typeface="Aharoni" panose="02010803020104030203" pitchFamily="2" charset="-79"/>
+              <a:cs typeface="Aharoni" panose="02010803020104030203" pitchFamily="2" charset="-79"/>
+            </a:endParaRPr>
+          </a:p>
+        </p:txBody>
+      </p:sp>
+      <p:pic>
+        <p:nvPicPr>
+          <p:cNvPr id="7" name="Picture 14" descr="Location Icon Vector Art, Icons, and Graphics for Free Download">
+            <a:extLst>
+              <a:ext uri="{FF2B5EF4-FFF2-40B4-BE49-F238E27FC236}">
+                <a16:creationId xmlns:a16="http://schemas.microsoft.com/office/drawing/2014/main" id="{FFAF4F53-E1CD-EA76-E438-22561ADC6DA2}"/>
+              </a:ext>
+            </a:extLst>
+          </p:cNvPr>
+          <p:cNvPicPr>
+            <a:picLocks noChangeAspect="1" noChangeArrowheads="1"/>
+          </p:cNvPicPr>
+          <p:nvPr/>
+        </p:nvPicPr>
+        <p:blipFill>
+          <a:blip r:embed="rId2">
+            <a:extLst>
+              <a:ext uri="{BEBA8EAE-BF5A-486C-A8C5-ECC9F3942E4B}">
+                <a14:imgProps xmlns:a14="http://schemas.microsoft.com/office/drawing/2010/main">
+                  <a14:imgLayer r:embed="rId3">
+                    <a14:imgEffect>
+                      <a14:backgroundRemoval t="10000" b="90000" l="10000" r="90000"/>
+                    </a14:imgEffect>
+                  </a14:imgLayer>
+                </a14:imgProps>
+              </a:ext>
+              <a:ext uri="{28A0092B-C50C-407E-A947-70E740481C1C}">
+                <a14:useLocalDpi xmlns:a14="http://schemas.microsoft.com/office/drawing/2010/main" val="0"/>
+              </a:ext>
+            </a:extLst>
+          </a:blip>
+          <a:srcRect/>
+          <a:stretch>
+            <a:fillRect/>
+          </a:stretch>
+        </p:blipFill>
+        <p:spPr bwMode="auto">
+          <a:xfrm>
+            <a:off x="0" y="5770079"/>
+            <a:ext cx="475721" cy="475721"/>
+          </a:xfrm>
+          <a:prstGeom prst="rect">
+            <a:avLst/>
+          </a:prstGeom>
+          <a:noFill/>
+          <a:extLst>
+            <a:ext uri="{909E8E84-426E-40DD-AFC4-6F175D3DCCD1}">
+              <a14:hiddenFill xmlns:a14="http://schemas.microsoft.com/office/drawing/2010/main">
+                <a:solidFill>
+                  <a:srgbClr val="FFFFFF"/>
+                </a:solidFill>
+              </a14:hiddenFill>
+            </a:ext>
+          </a:extLst>
+        </p:spPr>
+      </p:pic>
+      <p:pic>
+        <p:nvPicPr>
+          <p:cNvPr id="8" name="Picture 24" descr="Clock free icons designed by dmitri13 | Clock icon, Free icons, Icon">
+            <a:extLst>
+              <a:ext uri="{FF2B5EF4-FFF2-40B4-BE49-F238E27FC236}">
+                <a16:creationId xmlns:a16="http://schemas.microsoft.com/office/drawing/2014/main" id="{8F1569D4-0156-8ABD-41E7-73AF4C90CA65}"/>
+              </a:ext>
+            </a:extLst>
+          </p:cNvPr>
+          <p:cNvPicPr>
+            <a:picLocks noChangeAspect="1" noChangeArrowheads="1"/>
+          </p:cNvPicPr>
+          <p:nvPr/>
+        </p:nvPicPr>
+        <p:blipFill>
+          <a:blip r:embed="rId4">
+            <a:extLst>
+              <a:ext uri="{BEBA8EAE-BF5A-486C-A8C5-ECC9F3942E4B}">
+                <a14:imgProps xmlns:a14="http://schemas.microsoft.com/office/drawing/2010/main">
+                  <a14:imgLayer r:embed="rId5">
+                    <a14:imgEffect>
+                      <a14:backgroundRemoval t="0" b="96889" l="1778" r="98222">
+                        <a14:foregroundMark x1="30398" y1="8428" x2="18370" y2="12155"/>
+                        <a14:foregroundMark x1="15486" y1="15056" x2="11762" y2="30749"/>
+                        <a14:foregroundMark x1="87752" y1="31941" x2="96444" y2="39111"/>
+                        <a14:foregroundMark x1="96444" y1="39111" x2="91556" y2="73778"/>
+                        <a14:foregroundMark x1="91556" y1="73778" x2="62222" y2="94667"/>
+                        <a14:foregroundMark x1="62222" y1="94667" x2="41726" y2="94265"/>
+                        <a14:foregroundMark x1="10200" y1="64867" x2="9333" y2="64000"/>
+                        <a14:foregroundMark x1="9333" y1="64000" x2="9300" y2="63716"/>
+                        <a14:foregroundMark x1="9305" y1="29958" x2="9778" y2="28000"/>
+                        <a14:foregroundMark x1="80889" y1="14667" x2="90222" y2="26222"/>
+                        <a14:foregroundMark x1="96444" y1="47556" x2="92000" y2="30222"/>
+                        <a14:foregroundMark x1="56269" y1="5310" x2="56195" y2="5279"/>
+                        <a14:foregroundMark x1="78667" y1="14667" x2="62638" y2="7971"/>
+                        <a14:foregroundMark x1="7279" y1="33735" x2="7241" y2="33971"/>
+                        <a14:foregroundMark x1="11375" y1="76349" x2="12444" y2="79556"/>
+                        <a14:foregroundMark x1="7852" y1="65778" x2="7903" y2="65932"/>
+                        <a14:foregroundMark x1="7196" y1="63810" x2="7852" y2="65778"/>
+                        <a14:foregroundMark x1="29783" y1="87769" x2="30187" y2="87961"/>
+                        <a14:foregroundMark x1="26194" y1="86069" x2="27333" y2="86609"/>
+                        <a14:foregroundMark x1="12444" y1="79556" x2="15176" y2="80850"/>
+                        <a14:foregroundMark x1="40642" y1="92023" x2="59556" y2="95111"/>
+                        <a14:foregroundMark x1="41071" y1="96876" x2="40889" y2="96889"/>
+                        <a14:foregroundMark x1="60000" y1="95556" x2="42926" y2="96747"/>
+                        <a14:foregroundMark x1="2222" y1="44444" x2="2222" y2="44444"/>
+                        <a14:foregroundMark x1="98222" y1="46667" x2="97778" y2="49778"/>
+                        <a14:foregroundMark x1="61778" y1="56444" x2="47556" y2="44889"/>
+                        <a14:backgroundMark x1="11556" y1="33778" x2="12889" y2="63556"/>
+                        <a14:backgroundMark x1="12889" y1="63556" x2="29778" y2="83556"/>
+                        <a14:backgroundMark x1="29778" y1="83556" x2="32444" y2="84444"/>
+                        <a14:backgroundMark x1="39556" y1="89778" x2="28889" y2="84000"/>
+                        <a14:backgroundMark x1="88000" y1="33333" x2="59111" y2="13333"/>
+                        <a14:backgroundMark x1="86667" y1="32000" x2="86667" y2="31556"/>
+                        <a14:backgroundMark x1="10667" y1="65778" x2="10667" y2="65778"/>
+                        <a14:backgroundMark x1="11111" y1="64444" x2="12000" y2="66222"/>
+                        <a14:backgroundMark x1="12889" y1="31111" x2="11556" y2="35111"/>
+                        <a14:backgroundMark x1="17778" y1="11556" x2="14222" y2="13778"/>
+                        <a14:backgroundMark x1="60000" y1="0" x2="52889" y2="0"/>
+                        <a14:backgroundMark x1="34667" y1="444" x2="58667" y2="0"/>
+                        <a14:backgroundMark x1="58667" y1="0" x2="59556" y2="0"/>
+                        <a14:backgroundMark x1="85778" y1="31111" x2="87111" y2="32444"/>
+                        <a14:backgroundMark x1="88000" y1="35111" x2="88000" y2="32889"/>
+                        <a14:backgroundMark x1="87111" y1="35556" x2="87556" y2="31556"/>
+                        <a14:backgroundMark x1="34667" y1="88889" x2="29333" y2="86222"/>
+                      </a14:backgroundRemoval>
+                    </a14:imgEffect>
+                  </a14:imgLayer>
+                </a14:imgProps>
+              </a:ext>
+              <a:ext uri="{28A0092B-C50C-407E-A947-70E740481C1C}">
+                <a14:useLocalDpi xmlns:a14="http://schemas.microsoft.com/office/drawing/2010/main" val="0"/>
+              </a:ext>
+            </a:extLst>
+          </a:blip>
+          <a:srcRect/>
+          <a:stretch>
+            <a:fillRect/>
+          </a:stretch>
+        </p:blipFill>
+        <p:spPr bwMode="auto">
+          <a:xfrm>
+            <a:off x="6877833" y="5798833"/>
+            <a:ext cx="389711" cy="389711"/>
+          </a:xfrm>
+          <a:prstGeom prst="rect">
+            <a:avLst/>
+          </a:prstGeom>
+          <a:noFill/>
+          <a:extLst>
+            <a:ext uri="{909E8E84-426E-40DD-AFC4-6F175D3DCCD1}">
+              <a14:hiddenFill xmlns:a14="http://schemas.microsoft.com/office/drawing/2010/main">
+                <a:solidFill>
+                  <a:srgbClr val="FFFFFF"/>
+                </a:solidFill>
+              </a14:hiddenFill>
+            </a:ext>
+          </a:extLst>
+        </p:spPr>
+      </p:pic>
+      <p:sp>
+        <p:nvSpPr>
+          <p:cNvPr id="9" name="Rectangle 8">
+            <a:extLst>
+              <a:ext uri="{FF2B5EF4-FFF2-40B4-BE49-F238E27FC236}">
+                <a16:creationId xmlns:a16="http://schemas.microsoft.com/office/drawing/2014/main" id="{2F14355C-B61D-AA98-07C0-50310096F71A}"/>
+              </a:ext>
+            </a:extLst>
+          </p:cNvPr>
+          <p:cNvSpPr/>
+          <p:nvPr/>
+        </p:nvSpPr>
+        <p:spPr>
+          <a:xfrm>
+            <a:off x="3329300" y="5698851"/>
+            <a:ext cx="4710449" cy="655480"/>
+          </a:xfrm>
+          <a:prstGeom prst="rect">
+            <a:avLst/>
+          </a:prstGeom>
+          <a:noFill/>
+        </p:spPr>
+        <p:txBody>
+          <a:bodyPr wrap="square" lIns="91994" tIns="45996" rIns="91994" bIns="45996">
+            <a:spAutoFit/>
+          </a:bodyPr>
+          <a:lstStyle/>
+          <a:p>
+            <a:r>
+              <a:rPr lang="en-US" sz="3656" dirty="0">
+                <a:latin typeface="Aharoni" panose="02010803020104030203" pitchFamily="2" charset="-79"/>
+                <a:cs typeface="Aharoni" panose="02010803020104030203" pitchFamily="2" charset="-79"/>
+              </a:rPr>
+              <a:t>1001</a:t>
+            </a:r>
+          </a:p>
+        </p:txBody>
+      </p:sp>
+      <p:pic>
+        <p:nvPicPr>
+          <p:cNvPr id="10" name="Picture 20" descr="Calendar vector icon. Calendar black icon isolated">
+            <a:extLst>
+              <a:ext uri="{FF2B5EF4-FFF2-40B4-BE49-F238E27FC236}">
+                <a16:creationId xmlns:a16="http://schemas.microsoft.com/office/drawing/2014/main" id="{B22CDD46-A4AD-1E5B-0D3D-3628FF97FABC}"/>
+              </a:ext>
+            </a:extLst>
+          </p:cNvPr>
+          <p:cNvPicPr>
+            <a:picLocks noChangeAspect="1" noChangeArrowheads="1"/>
+          </p:cNvPicPr>
+          <p:nvPr/>
+        </p:nvPicPr>
+        <p:blipFill>
+          <a:blip r:embed="rId6">
+            <a:extLst>
+              <a:ext uri="{BEBA8EAE-BF5A-486C-A8C5-ECC9F3942E4B}">
+                <a14:imgProps xmlns:a14="http://schemas.microsoft.com/office/drawing/2010/main">
+                  <a14:imgLayer r:embed="rId7">
+                    <a14:imgEffect>
+                      <a14:backgroundRemoval t="10000" b="90000" l="10000" r="90000">
+                        <a14:foregroundMark x1="41300" y1="50200" x2="41300" y2="50200"/>
+                        <a14:foregroundMark x1="41133" y1="61250" x2="41133" y2="61250"/>
+                        <a14:foregroundMark x1="53633" y1="50000" x2="53633" y2="50000"/>
+                        <a14:foregroundMark x1="47267" y1="49600" x2="47267" y2="49600"/>
+                        <a14:foregroundMark x1="46967" y1="60850" x2="46967" y2="60850"/>
+                        <a14:foregroundMark x1="46967" y1="69600" x2="46967" y2="69600"/>
+                        <a14:foregroundMark x1="40467" y1="68150" x2="40467" y2="68150"/>
+                        <a14:foregroundMark x1="53933" y1="68550" x2="53933" y2="68550"/>
+                        <a14:foregroundMark x1="54900" y1="58750" x2="54900" y2="58750"/>
+                        <a14:foregroundMark x1="59333" y1="50200" x2="59333" y2="50200"/>
+                        <a14:foregroundMark x1="59333" y1="62300" x2="59333" y2="62300"/>
+                      </a14:backgroundRemoval>
+                    </a14:imgEffect>
+                  </a14:imgLayer>
+                </a14:imgProps>
+              </a:ext>
+              <a:ext uri="{28A0092B-C50C-407E-A947-70E740481C1C}">
+                <a14:useLocalDpi xmlns:a14="http://schemas.microsoft.com/office/drawing/2010/main" val="0"/>
+              </a:ext>
+            </a:extLst>
+          </a:blip>
+          <a:srcRect/>
+          <a:stretch>
+            <a:fillRect/>
+          </a:stretch>
+        </p:blipFill>
+        <p:spPr bwMode="auto">
+          <a:xfrm>
+            <a:off x="4097364" y="5690236"/>
+            <a:ext cx="918272" cy="612183"/>
+          </a:xfrm>
+          <a:prstGeom prst="rect">
+            <a:avLst/>
+          </a:prstGeom>
+          <a:noFill/>
+          <a:extLst>
+            <a:ext uri="{909E8E84-426E-40DD-AFC4-6F175D3DCCD1}">
+              <a14:hiddenFill xmlns:a14="http://schemas.microsoft.com/office/drawing/2010/main">
+                <a:solidFill>
+                  <a:srgbClr val="FFFFFF"/>
+                </a:solidFill>
+              </a14:hiddenFill>
+            </a:ext>
+          </a:extLst>
+        </p:spPr>
+      </p:pic>
+      <p:sp>
+        <p:nvSpPr>
+          <p:cNvPr id="11" name="Rectangle 10">
+            <a:extLst>
+              <a:ext uri="{FF2B5EF4-FFF2-40B4-BE49-F238E27FC236}">
+                <a16:creationId xmlns:a16="http://schemas.microsoft.com/office/drawing/2014/main" id="{FA5A2B3D-02C4-63F8-D646-AA8F8B45DD3F}"/>
+              </a:ext>
+            </a:extLst>
+          </p:cNvPr>
+          <p:cNvSpPr/>
+          <p:nvPr/>
+        </p:nvSpPr>
+        <p:spPr>
+          <a:xfrm>
+            <a:off x="5468898" y="5686801"/>
+            <a:ext cx="4710449" cy="655480"/>
+          </a:xfrm>
+          <a:prstGeom prst="rect">
+            <a:avLst/>
+          </a:prstGeom>
+          <a:noFill/>
+        </p:spPr>
+        <p:txBody>
+          <a:bodyPr wrap="square" lIns="91994" tIns="45996" rIns="91994" bIns="45996">
+            <a:spAutoFit/>
+          </a:bodyPr>
+          <a:lstStyle/>
+          <a:p>
+            <a:r>
+              <a:rPr lang="en-US" sz="3656" dirty="0">
+                <a:latin typeface="Aharoni" panose="02010803020104030203" pitchFamily="2" charset="-79"/>
+                <a:cs typeface="Aharoni" panose="02010803020104030203" pitchFamily="2" charset="-79"/>
+              </a:rPr>
+              <a:t>6, 2024</a:t>
+            </a:r>
+          </a:p>
+        </p:txBody>
+      </p:sp>
+      <p:sp>
+        <p:nvSpPr>
+          <p:cNvPr id="12" name="Rectangle 11">
+            <a:extLst>
+              <a:ext uri="{FF2B5EF4-FFF2-40B4-BE49-F238E27FC236}">
+                <a16:creationId xmlns:a16="http://schemas.microsoft.com/office/drawing/2014/main" id="{A911BFD0-2F9F-EC22-4684-0064C583D65C}"/>
+              </a:ext>
+            </a:extLst>
+          </p:cNvPr>
+          <p:cNvSpPr/>
+          <p:nvPr/>
+        </p:nvSpPr>
+        <p:spPr>
+          <a:xfrm>
+            <a:off x="7267544" y="5676375"/>
+            <a:ext cx="4710449" cy="655480"/>
+          </a:xfrm>
+          <a:prstGeom prst="rect">
+            <a:avLst/>
+          </a:prstGeom>
+          <a:noFill/>
+        </p:spPr>
+        <p:txBody>
+          <a:bodyPr wrap="square" lIns="91994" tIns="45996" rIns="91994" bIns="45996">
+            <a:spAutoFit/>
+          </a:bodyPr>
+          <a:lstStyle/>
+          <a:p>
+            <a:r>
+              <a:rPr lang="en-US" sz="3656" dirty="0">
+                <a:latin typeface="Aharoni" panose="02010803020104030203" pitchFamily="2" charset="-79"/>
+                <a:cs typeface="Aharoni" panose="02010803020104030203" pitchFamily="2" charset="-79"/>
+              </a:rPr>
+              <a:t>6:00</a:t>
+            </a:r>
+          </a:p>
+        </p:txBody>
+      </p:sp>
+      <p:sp>
+        <p:nvSpPr>
+          <p:cNvPr id="15" name="Rectangle 14">
+            <a:extLst>
+              <a:ext uri="{FF2B5EF4-FFF2-40B4-BE49-F238E27FC236}">
+                <a16:creationId xmlns:a16="http://schemas.microsoft.com/office/drawing/2014/main" id="{572B51A5-E405-8FFB-A834-CBA19B069E6B}"/>
+              </a:ext>
+            </a:extLst>
+          </p:cNvPr>
+          <p:cNvSpPr/>
+          <p:nvPr/>
+        </p:nvSpPr>
+        <p:spPr>
+          <a:xfrm>
+            <a:off x="8904570" y="5665949"/>
+            <a:ext cx="4710449" cy="655480"/>
+          </a:xfrm>
+          <a:prstGeom prst="rect">
+            <a:avLst/>
+          </a:prstGeom>
+          <a:noFill/>
+        </p:spPr>
+        <p:txBody>
+          <a:bodyPr wrap="square" lIns="91994" tIns="45996" rIns="91994" bIns="45996">
+            <a:spAutoFit/>
+          </a:bodyPr>
+          <a:lstStyle/>
+          <a:p>
+            <a:r>
+              <a:rPr lang="en-US" sz="3656" dirty="0">
+                <a:latin typeface="Aharoni" panose="02010803020104030203" pitchFamily="2" charset="-79"/>
+                <a:cs typeface="Aharoni" panose="02010803020104030203" pitchFamily="2" charset="-79"/>
+              </a:rPr>
+              <a:t>7:00</a:t>
+            </a:r>
+          </a:p>
+        </p:txBody>
+      </p:sp>
+      <p:sp>
+        <p:nvSpPr>
+          <p:cNvPr id="16" name="TextBox 15">
+            <a:extLst>
+              <a:ext uri="{FF2B5EF4-FFF2-40B4-BE49-F238E27FC236}">
+                <a16:creationId xmlns:a16="http://schemas.microsoft.com/office/drawing/2014/main" id="{6AE8499F-724B-CBCF-9E49-55EEEE7A3E8F}"/>
+              </a:ext>
+            </a:extLst>
+          </p:cNvPr>
+          <p:cNvSpPr txBox="1"/>
+          <p:nvPr/>
+        </p:nvSpPr>
+        <p:spPr>
+          <a:xfrm>
+            <a:off x="8019724" y="5739129"/>
+            <a:ext cx="9601941" cy="535531"/>
+          </a:xfrm>
+          <a:prstGeom prst="rect">
+            <a:avLst/>
+          </a:prstGeom>
+          <a:noFill/>
+        </p:spPr>
+        <p:txBody>
+          <a:bodyPr wrap="square">
+            <a:spAutoFit/>
+          </a:bodyPr>
+          <a:lstStyle/>
+          <a:p>
+            <a:r>
+              <a:rPr lang="en-US" sz="2800" dirty="0">
+                <a:latin typeface="Aharoni" panose="02010803020104030203" pitchFamily="2" charset="-79"/>
+                <a:cs typeface="Aharoni" panose="02010803020104030203" pitchFamily="2" charset="-79"/>
+              </a:rPr>
+              <a:t>pm</a:t>
+            </a:r>
+            <a:r>
+              <a:rPr lang="en-US" sz="2655" dirty="0">
+                <a:latin typeface="Aharoni" panose="02010803020104030203" pitchFamily="2" charset="-79"/>
+                <a:cs typeface="Aharoni" panose="02010803020104030203" pitchFamily="2" charset="-79"/>
+              </a:rPr>
+              <a:t> – 	   </a:t>
+            </a:r>
+            <a:r>
+              <a:rPr lang="en-US" sz="2800" dirty="0">
+                <a:latin typeface="Aharoni" panose="02010803020104030203" pitchFamily="2" charset="-79"/>
+                <a:cs typeface="Aharoni" panose="02010803020104030203" pitchFamily="2" charset="-79"/>
+              </a:rPr>
+              <a:t>pm</a:t>
+            </a:r>
+            <a:endParaRPr lang="en-US" sz="2880" dirty="0"/>
+          </a:p>
+        </p:txBody>
+      </p:sp>
+      <p:pic>
+        <p:nvPicPr>
+          <p:cNvPr id="18" name="Picture 17">
+            <a:extLst>
+              <a:ext uri="{FF2B5EF4-FFF2-40B4-BE49-F238E27FC236}">
+                <a16:creationId xmlns:a16="http://schemas.microsoft.com/office/drawing/2014/main" id="{C2471C45-8D94-66B9-67C0-10924FB304F0}"/>
+              </a:ext>
+            </a:extLst>
+          </p:cNvPr>
+          <p:cNvPicPr>
+            <a:picLocks noChangeAspect="1"/>
+          </p:cNvPicPr>
+          <p:nvPr/>
+        </p:nvPicPr>
+        <p:blipFill>
+          <a:blip r:embed="rId8"/>
+          <a:stretch>
+            <a:fillRect/>
+          </a:stretch>
+        </p:blipFill>
+        <p:spPr>
+          <a:xfrm>
+            <a:off x="0" y="-8150"/>
+            <a:ext cx="10287000" cy="1044470"/>
+          </a:xfrm>
+          <a:prstGeom prst="rect">
+            <a:avLst/>
+          </a:prstGeom>
+        </p:spPr>
+      </p:pic>
+      <p:pic>
+        <p:nvPicPr>
+          <p:cNvPr id="19" name="Picture 18" descr="A blue and orange text on a black background&#10;&#10;Description automatically generated">
+            <a:extLst>
+              <a:ext uri="{FF2B5EF4-FFF2-40B4-BE49-F238E27FC236}">
+                <a16:creationId xmlns:a16="http://schemas.microsoft.com/office/drawing/2014/main" id="{306DB7ED-0E28-AE67-7AF2-E64B5CF81787}"/>
+              </a:ext>
+            </a:extLst>
+          </p:cNvPr>
+          <p:cNvPicPr>
+            <a:picLocks noChangeAspect="1"/>
+          </p:cNvPicPr>
+          <p:nvPr/>
+        </p:nvPicPr>
+        <p:blipFill>
+          <a:blip r:embed="rId9">
+            <a:extLst>
+              <a:ext uri="{28A0092B-C50C-407E-A947-70E740481C1C}">
+                <a14:useLocalDpi xmlns:a14="http://schemas.microsoft.com/office/drawing/2010/main" val="0"/>
+              </a:ext>
+            </a:extLst>
+          </a:blip>
+          <a:stretch>
+            <a:fillRect/>
+          </a:stretch>
+        </p:blipFill>
+        <p:spPr>
+          <a:xfrm>
+            <a:off x="2560030" y="71356"/>
+            <a:ext cx="5166933" cy="885457"/>
+          </a:xfrm>
+          <a:prstGeom prst="rect">
+            <a:avLst/>
+          </a:prstGeom>
+        </p:spPr>
+      </p:pic>
+      <p:sp>
+        <p:nvSpPr>
+          <p:cNvPr id="21" name="Rectangle 20">
+            <a:extLst>
+              <a:ext uri="{FF2B5EF4-FFF2-40B4-BE49-F238E27FC236}">
+                <a16:creationId xmlns:a16="http://schemas.microsoft.com/office/drawing/2014/main" id="{5AAF5C38-B053-0494-2084-D142FBE722BF}"/>
+              </a:ext>
+            </a:extLst>
+          </p:cNvPr>
+          <p:cNvSpPr/>
+          <p:nvPr/>
+        </p:nvSpPr>
+        <p:spPr>
+          <a:xfrm>
+            <a:off x="-9987" y="999245"/>
+            <a:ext cx="10296987" cy="4771887"/>
+          </a:xfrm>
+          <a:prstGeom prst="rect">
+            <a:avLst/>
+          </a:prstGeom>
+          <a:solidFill>
+            <a:srgbClr val="24255D"/>
+          </a:solidFill>
+          <a:ln>
+            <a:noFill/>
+          </a:ln>
+        </p:spPr>
+        <p:style>
+          <a:lnRef idx="2">
+            <a:schemeClr val="accent1">
+              <a:shade val="15000"/>
+            </a:schemeClr>
+          </a:lnRef>
+          <a:fillRef idx="1">
+            <a:schemeClr val="accent1"/>
+          </a:fillRef>
+          <a:effectRef idx="0">
+            <a:schemeClr val="accent1"/>
+          </a:effectRef>
+          <a:fontRef idx="minor">
+            <a:schemeClr val="lt1"/>
+          </a:fontRef>
+        </p:style>
+        <p:txBody>
+          <a:bodyPr rtlCol="0" anchor="ctr"/>
+          <a:lstStyle/>
+          <a:p>
+            <a:r>
+              <a:rPr lang="en-US" sz="6000" dirty="0">
+                <a:solidFill>
+                  <a:schemeClr val="bg1"/>
+                </a:solidFill>
+                <a:latin typeface="Aharoni" panose="02010803020104030203" pitchFamily="2" charset="-79"/>
+                <a:cs typeface="Aharoni" panose="02010803020104030203" pitchFamily="2" charset="-79"/>
+              </a:rPr>
+              <a:t>Special Guests</a:t>
+            </a:r>
+          </a:p>
+          <a:p>
+            <a:r>
+              <a:rPr lang="en-US" sz="6000" dirty="0">
+                <a:solidFill>
+                  <a:schemeClr val="bg1"/>
+                </a:solidFill>
+                <a:latin typeface="Aharoni" panose="02010803020104030203" pitchFamily="2" charset="-79"/>
+                <a:cs typeface="Aharoni" panose="02010803020104030203" pitchFamily="2" charset="-79"/>
+              </a:rPr>
+              <a:t>Whiting-Turner</a:t>
+            </a:r>
+          </a:p>
+        </p:txBody>
+      </p:sp>
+      <p:sp>
+        <p:nvSpPr>
+          <p:cNvPr id="22" name="Right Triangle 21">
+            <a:extLst>
+              <a:ext uri="{FF2B5EF4-FFF2-40B4-BE49-F238E27FC236}">
+                <a16:creationId xmlns:a16="http://schemas.microsoft.com/office/drawing/2014/main" id="{3A025623-85A8-6B76-10A4-69D48DE11F95}"/>
+              </a:ext>
+            </a:extLst>
+          </p:cNvPr>
+          <p:cNvSpPr/>
+          <p:nvPr/>
+        </p:nvSpPr>
+        <p:spPr>
+          <a:xfrm rot="10800000">
+            <a:off x="7773190" y="987195"/>
+            <a:ext cx="2513810" cy="2734555"/>
+          </a:xfrm>
+          <a:prstGeom prst="rtTriangle">
+            <a:avLst/>
+          </a:prstGeom>
+          <a:solidFill>
+            <a:srgbClr val="F97804"/>
+          </a:solidFill>
+          <a:ln>
+            <a:noFill/>
+          </a:ln>
+        </p:spPr>
+        <p:style>
+          <a:lnRef idx="2">
+            <a:schemeClr val="accent1">
+              <a:shade val="15000"/>
+            </a:schemeClr>
+          </a:lnRef>
+          <a:fillRef idx="1">
+            <a:schemeClr val="accent1"/>
+          </a:fillRef>
+          <a:effectRef idx="0">
+            <a:schemeClr val="accent1"/>
+          </a:effectRef>
+          <a:fontRef idx="minor">
+            <a:schemeClr val="lt1"/>
+          </a:fontRef>
+        </p:style>
+        <p:txBody>
+          <a:bodyPr rtlCol="0" anchor="ctr"/>
+          <a:lstStyle/>
+          <a:p>
+            <a:pPr algn="ctr"/>
+            <a:endParaRPr lang="en-US" sz="1024"/>
+          </a:p>
+        </p:txBody>
+      </p:sp>
+      <p:sp>
+        <p:nvSpPr>
+          <p:cNvPr id="25" name="Right Triangle 24">
+            <a:extLst>
+              <a:ext uri="{FF2B5EF4-FFF2-40B4-BE49-F238E27FC236}">
+                <a16:creationId xmlns:a16="http://schemas.microsoft.com/office/drawing/2014/main" id="{806FE382-7E0D-9850-97B3-35FA1C7042CD}"/>
+              </a:ext>
+            </a:extLst>
+          </p:cNvPr>
+          <p:cNvSpPr/>
+          <p:nvPr/>
+        </p:nvSpPr>
+        <p:spPr>
+          <a:xfrm rot="16200000">
+            <a:off x="7703530" y="3183362"/>
+            <a:ext cx="2513810" cy="2651845"/>
+          </a:xfrm>
+          <a:prstGeom prst="rtTriangle">
+            <a:avLst/>
+          </a:prstGeom>
+          <a:solidFill>
+            <a:srgbClr val="F97804"/>
+          </a:solidFill>
+          <a:ln>
+            <a:noFill/>
+          </a:ln>
+        </p:spPr>
+        <p:style>
+          <a:lnRef idx="2">
+            <a:schemeClr val="accent1">
+              <a:shade val="15000"/>
+            </a:schemeClr>
+          </a:lnRef>
+          <a:fillRef idx="1">
+            <a:schemeClr val="accent1"/>
+          </a:fillRef>
+          <a:effectRef idx="0">
+            <a:schemeClr val="accent1"/>
+          </a:effectRef>
+          <a:fontRef idx="minor">
+            <a:schemeClr val="lt1"/>
+          </a:fontRef>
+        </p:style>
+        <p:txBody>
+          <a:bodyPr rtlCol="0" anchor="ctr"/>
+          <a:lstStyle/>
+          <a:p>
+            <a:pPr algn="ctr"/>
+            <a:endParaRPr lang="en-US" sz="1024"/>
+          </a:p>
+        </p:txBody>
+      </p:sp>
+      <p:sp>
+        <p:nvSpPr>
+          <p:cNvPr id="24" name="Flowchart: Connector 23">
+            <a:extLst>
+              <a:ext uri="{FF2B5EF4-FFF2-40B4-BE49-F238E27FC236}">
+                <a16:creationId xmlns:a16="http://schemas.microsoft.com/office/drawing/2014/main" id="{0B981118-C530-CB02-0AB9-BB698A187F91}"/>
+              </a:ext>
+            </a:extLst>
+          </p:cNvPr>
+          <p:cNvSpPr/>
+          <p:nvPr/>
+        </p:nvSpPr>
+        <p:spPr>
+          <a:xfrm>
+            <a:off x="7440879" y="1953779"/>
+            <a:ext cx="2838545" cy="2766559"/>
+          </a:xfrm>
+          <a:prstGeom prst="flowChartConnector">
+            <a:avLst/>
+          </a:prstGeom>
+          <a:solidFill>
+            <a:srgbClr val="FFFFFF"/>
+          </a:solidFill>
+          <a:ln>
+            <a:solidFill>
+              <a:schemeClr val="bg1"/>
+            </a:solidFill>
+          </a:ln>
+        </p:spPr>
+        <p:style>
+          <a:lnRef idx="2">
+            <a:schemeClr val="accent1">
+              <a:shade val="15000"/>
+            </a:schemeClr>
+          </a:lnRef>
+          <a:fillRef idx="1">
+            <a:schemeClr val="accent1"/>
+          </a:fillRef>
+          <a:effectRef idx="0">
+            <a:schemeClr val="accent1"/>
+          </a:effectRef>
+          <a:fontRef idx="minor">
+            <a:schemeClr val="lt1"/>
+          </a:fontRef>
+        </p:style>
+        <p:txBody>
+          <a:bodyPr rtlCol="0" anchor="ctr"/>
+          <a:lstStyle/>
+          <a:p>
+            <a:pPr algn="ctr"/>
+            <a:endParaRPr lang="en-US" sz="1024"/>
+          </a:p>
+        </p:txBody>
+      </p:sp>
+      <p:pic>
+        <p:nvPicPr>
+          <p:cNvPr id="26" name="Picture 2" descr="The Whiting-Turner Contracting Company - Wikipedia">
+            <a:extLst>
+              <a:ext uri="{FF2B5EF4-FFF2-40B4-BE49-F238E27FC236}">
+                <a16:creationId xmlns:a16="http://schemas.microsoft.com/office/drawing/2014/main" id="{BCFA22EE-D440-74B1-F04B-6CE21D34CD2A}"/>
+              </a:ext>
+            </a:extLst>
+          </p:cNvPr>
+          <p:cNvPicPr>
+            <a:picLocks noChangeAspect="1" noChangeArrowheads="1"/>
+          </p:cNvPicPr>
+          <p:nvPr/>
+        </p:nvPicPr>
+        <p:blipFill rotWithShape="1">
+          <a:blip r:embed="rId10">
+            <a:extLst>
+              <a:ext uri="{28A0092B-C50C-407E-A947-70E740481C1C}">
+                <a14:useLocalDpi xmlns:a14="http://schemas.microsoft.com/office/drawing/2010/main" val="0"/>
+              </a:ext>
+            </a:extLst>
+          </a:blip>
+          <a:srcRect t="13944" b="19679"/>
+          <a:stretch/>
+        </p:blipFill>
+        <p:spPr bwMode="auto">
+          <a:xfrm>
+            <a:off x="7680885" y="2557952"/>
+            <a:ext cx="2358532" cy="1565513"/>
+          </a:xfrm>
+          <a:prstGeom prst="rect">
+            <a:avLst/>
+          </a:prstGeom>
+          <a:noFill/>
+          <a:extLst>
+            <a:ext uri="{909E8E84-426E-40DD-AFC4-6F175D3DCCD1}">
+              <a14:hiddenFill xmlns:a14="http://schemas.microsoft.com/office/drawing/2010/main">
+                <a:solidFill>
+                  <a:srgbClr val="FFFFFF"/>
+                </a:solidFill>
+              </a14:hiddenFill>
+            </a:ext>
+          </a:extLst>
+        </p:spPr>
+      </p:pic>
+      <p:sp>
+        <p:nvSpPr>
+          <p:cNvPr id="30" name="Rectangle 29">
+            <a:extLst>
+              <a:ext uri="{FF2B5EF4-FFF2-40B4-BE49-F238E27FC236}">
+                <a16:creationId xmlns:a16="http://schemas.microsoft.com/office/drawing/2014/main" id="{9E35F032-C30D-494B-1239-F4A09151166A}"/>
+              </a:ext>
+            </a:extLst>
+          </p:cNvPr>
+          <p:cNvSpPr/>
+          <p:nvPr/>
+        </p:nvSpPr>
+        <p:spPr>
+          <a:xfrm>
+            <a:off x="49647" y="1521764"/>
+            <a:ext cx="10062000" cy="864028"/>
+          </a:xfrm>
+          <a:prstGeom prst="rect">
+            <a:avLst/>
+          </a:prstGeom>
+          <a:noFill/>
+        </p:spPr>
+        <p:txBody>
+          <a:bodyPr wrap="square" lIns="32713" tIns="16356" rIns="32713" bIns="16356">
+            <a:spAutoFit/>
+          </a:bodyPr>
+          <a:lstStyle/>
+          <a:p>
+            <a:r>
+              <a:rPr lang="en-US" sz="5400">
+                <a:solidFill>
+                  <a:srgbClr val="F97804"/>
+                </a:solidFill>
+                <a:latin typeface="Aharoni" panose="02010803020104030203" pitchFamily="2" charset="-79"/>
+                <a:cs typeface="Aharoni" panose="02010803020104030203" pitchFamily="2" charset="-79"/>
+              </a:rPr>
+              <a:t>Third General Meeting</a:t>
+            </a:r>
+            <a:endParaRPr lang="en-US" sz="5400" dirty="0">
+              <a:solidFill>
+                <a:srgbClr val="F97804"/>
+              </a:solidFill>
+              <a:latin typeface="Aharoni" panose="02010803020104030203" pitchFamily="2" charset="-79"/>
+              <a:cs typeface="Aharoni" panose="02010803020104030203" pitchFamily="2" charset="-79"/>
+            </a:endParaRPr>
+          </a:p>
+        </p:txBody>
+      </p:sp>
+      <p:sp>
+        <p:nvSpPr>
+          <p:cNvPr id="31" name="Rectangle 30">
+            <a:extLst>
+              <a:ext uri="{FF2B5EF4-FFF2-40B4-BE49-F238E27FC236}">
+                <a16:creationId xmlns:a16="http://schemas.microsoft.com/office/drawing/2014/main" id="{1D115235-677C-3D60-1595-115A069349A1}"/>
+              </a:ext>
+            </a:extLst>
+          </p:cNvPr>
+          <p:cNvSpPr/>
+          <p:nvPr/>
+        </p:nvSpPr>
+        <p:spPr>
+          <a:xfrm>
+            <a:off x="2516731" y="12028750"/>
+            <a:ext cx="7807096" cy="828409"/>
+          </a:xfrm>
+          <a:prstGeom prst="rect">
+            <a:avLst/>
+          </a:prstGeom>
+          <a:solidFill>
+            <a:srgbClr val="24255D"/>
+          </a:solidFill>
+          <a:ln>
+            <a:noFill/>
+          </a:ln>
+        </p:spPr>
+        <p:style>
+          <a:lnRef idx="2">
+            <a:schemeClr val="accent1">
+              <a:shade val="15000"/>
+            </a:schemeClr>
+          </a:lnRef>
+          <a:fillRef idx="1">
+            <a:schemeClr val="accent1"/>
+          </a:fillRef>
+          <a:effectRef idx="0">
+            <a:schemeClr val="accent1"/>
+          </a:effectRef>
+          <a:fontRef idx="minor">
+            <a:schemeClr val="lt1"/>
+          </a:fontRef>
+        </p:style>
+        <p:txBody>
+          <a:bodyPr rtlCol="0" anchor="ctr"/>
+          <a:lstStyle/>
+          <a:p>
+            <a:pPr algn="ctr"/>
+            <a:endParaRPr lang="en-US" sz="1524" dirty="0"/>
+          </a:p>
+        </p:txBody>
+      </p:sp>
+      <p:sp>
+        <p:nvSpPr>
+          <p:cNvPr id="32" name="Right Triangle 31">
+            <a:extLst>
+              <a:ext uri="{FF2B5EF4-FFF2-40B4-BE49-F238E27FC236}">
+                <a16:creationId xmlns:a16="http://schemas.microsoft.com/office/drawing/2014/main" id="{D6239B4E-0C4A-F167-2CE4-54BBD3635EAE}"/>
+              </a:ext>
+            </a:extLst>
+          </p:cNvPr>
+          <p:cNvSpPr/>
+          <p:nvPr/>
+        </p:nvSpPr>
+        <p:spPr>
+          <a:xfrm>
+            <a:off x="2172046" y="11713080"/>
+            <a:ext cx="1456996" cy="1144079"/>
+          </a:xfrm>
+          <a:prstGeom prst="rtTriangle">
+            <a:avLst/>
+          </a:prstGeom>
+          <a:solidFill>
+            <a:srgbClr val="F97804"/>
+          </a:solidFill>
+          <a:ln>
+            <a:noFill/>
+          </a:ln>
+        </p:spPr>
+        <p:style>
+          <a:lnRef idx="2">
+            <a:schemeClr val="accent1">
+              <a:shade val="15000"/>
+            </a:schemeClr>
+          </a:lnRef>
+          <a:fillRef idx="1">
+            <a:schemeClr val="accent1"/>
+          </a:fillRef>
+          <a:effectRef idx="0">
+            <a:schemeClr val="accent1"/>
+          </a:effectRef>
+          <a:fontRef idx="minor">
+            <a:schemeClr val="lt1"/>
+          </a:fontRef>
+        </p:style>
+        <p:txBody>
+          <a:bodyPr rtlCol="0" anchor="ctr"/>
+          <a:lstStyle/>
+          <a:p>
+            <a:pPr algn="ctr"/>
+            <a:endParaRPr lang="en-US" sz="1524" dirty="0"/>
+          </a:p>
+        </p:txBody>
+      </p:sp>
+      <p:sp>
+        <p:nvSpPr>
+          <p:cNvPr id="33" name="Rectangle 32">
+            <a:extLst>
+              <a:ext uri="{FF2B5EF4-FFF2-40B4-BE49-F238E27FC236}">
+                <a16:creationId xmlns:a16="http://schemas.microsoft.com/office/drawing/2014/main" id="{1628FB2E-66EA-DD0D-1D96-ADEA7E6A29EE}"/>
+              </a:ext>
+            </a:extLst>
+          </p:cNvPr>
+          <p:cNvSpPr/>
+          <p:nvPr/>
+        </p:nvSpPr>
+        <p:spPr>
+          <a:xfrm>
+            <a:off x="635" y="11713082"/>
+            <a:ext cx="2171409" cy="1144082"/>
+          </a:xfrm>
+          <a:prstGeom prst="rect">
+            <a:avLst/>
+          </a:prstGeom>
+          <a:solidFill>
+            <a:srgbClr val="F97804"/>
+          </a:solidFill>
+          <a:ln>
+            <a:noFill/>
+          </a:ln>
+        </p:spPr>
+        <p:style>
+          <a:lnRef idx="2">
+            <a:schemeClr val="accent1">
+              <a:shade val="15000"/>
+            </a:schemeClr>
+          </a:lnRef>
+          <a:fillRef idx="1">
+            <a:schemeClr val="accent1"/>
+          </a:fillRef>
+          <a:effectRef idx="0">
+            <a:schemeClr val="accent1"/>
+          </a:effectRef>
+          <a:fontRef idx="minor">
+            <a:schemeClr val="lt1"/>
+          </a:fontRef>
+        </p:style>
+        <p:txBody>
+          <a:bodyPr rtlCol="0" anchor="ctr"/>
+          <a:lstStyle/>
+          <a:p>
+            <a:pPr algn="ctr"/>
+            <a:endParaRPr lang="en-US" sz="1524" dirty="0"/>
+          </a:p>
+        </p:txBody>
+      </p:sp>
+      <p:pic>
+        <p:nvPicPr>
+          <p:cNvPr id="34" name="Picture 8" descr="California State University, Sacramento | Sacramento State">
+            <a:extLst>
+              <a:ext uri="{FF2B5EF4-FFF2-40B4-BE49-F238E27FC236}">
+                <a16:creationId xmlns:a16="http://schemas.microsoft.com/office/drawing/2014/main" id="{18FFEFE4-CFF9-BD54-3A6E-D63F5598B448}"/>
+              </a:ext>
+            </a:extLst>
+          </p:cNvPr>
+          <p:cNvPicPr>
+            <a:picLocks noChangeAspect="1" noChangeArrowheads="1"/>
+          </p:cNvPicPr>
+          <p:nvPr/>
+        </p:nvPicPr>
+        <p:blipFill>
+          <a:blip r:embed="rId11">
+            <a:extLst>
+              <a:ext uri="{28A0092B-C50C-407E-A947-70E740481C1C}">
+                <a14:useLocalDpi xmlns:a14="http://schemas.microsoft.com/office/drawing/2010/main" val="0"/>
+              </a:ext>
+            </a:extLst>
+          </a:blip>
+          <a:srcRect/>
+          <a:stretch>
+            <a:fillRect/>
+          </a:stretch>
+        </p:blipFill>
+        <p:spPr bwMode="auto">
+          <a:xfrm>
+            <a:off x="121734" y="12028747"/>
+            <a:ext cx="2357537" cy="652144"/>
+          </a:xfrm>
+          <a:prstGeom prst="rect">
+            <a:avLst/>
+          </a:prstGeom>
+          <a:noFill/>
+          <a:extLst>
+            <a:ext uri="{909E8E84-426E-40DD-AFC4-6F175D3DCCD1}">
+              <a14:hiddenFill xmlns:a14="http://schemas.microsoft.com/office/drawing/2010/main">
+                <a:solidFill>
+                  <a:srgbClr val="FFFFFF"/>
+                </a:solidFill>
+              </a14:hiddenFill>
+            </a:ext>
+          </a:extLst>
+        </p:spPr>
+      </p:pic>
+      <p:pic>
+        <p:nvPicPr>
+          <p:cNvPr id="35" name="Picture 34" descr="A logo of a company&#10;&#10;Description automatically generated">
+            <a:extLst>
+              <a:ext uri="{FF2B5EF4-FFF2-40B4-BE49-F238E27FC236}">
+                <a16:creationId xmlns:a16="http://schemas.microsoft.com/office/drawing/2014/main" id="{60DB253B-965E-C2A7-6A31-81DE5A316C36}"/>
+              </a:ext>
+            </a:extLst>
+          </p:cNvPr>
+          <p:cNvPicPr>
+            <a:picLocks noChangeAspect="1"/>
+          </p:cNvPicPr>
+          <p:nvPr/>
+        </p:nvPicPr>
+        <p:blipFill>
+          <a:blip r:embed="rId12">
+            <a:extLst>
+              <a:ext uri="{28A0092B-C50C-407E-A947-70E740481C1C}">
+                <a14:useLocalDpi xmlns:a14="http://schemas.microsoft.com/office/drawing/2010/main" val="0"/>
+              </a:ext>
+            </a:extLst>
+          </a:blip>
+          <a:stretch>
+            <a:fillRect/>
+          </a:stretch>
+        </p:blipFill>
+        <p:spPr>
+          <a:xfrm>
+            <a:off x="9477830" y="12078075"/>
+            <a:ext cx="753328" cy="718123"/>
+          </a:xfrm>
+          <a:prstGeom prst="rect">
+            <a:avLst/>
+          </a:prstGeom>
+        </p:spPr>
+      </p:pic>
+      <p:sp>
+        <p:nvSpPr>
+          <p:cNvPr id="37" name="Rectangle 36">
+            <a:extLst>
+              <a:ext uri="{FF2B5EF4-FFF2-40B4-BE49-F238E27FC236}">
+                <a16:creationId xmlns:a16="http://schemas.microsoft.com/office/drawing/2014/main" id="{3F1E3ECC-FB9D-FA28-0BE6-30F19BA6146C}"/>
+              </a:ext>
+            </a:extLst>
+          </p:cNvPr>
+          <p:cNvSpPr/>
+          <p:nvPr/>
+        </p:nvSpPr>
+        <p:spPr>
+          <a:xfrm>
+            <a:off x="6657966" y="12144709"/>
+            <a:ext cx="4710449" cy="712804"/>
+          </a:xfrm>
+          <a:prstGeom prst="rect">
+            <a:avLst/>
+          </a:prstGeom>
+          <a:noFill/>
+        </p:spPr>
+        <p:txBody>
+          <a:bodyPr wrap="square" lIns="91994" tIns="45996" rIns="91994" bIns="45996">
+            <a:spAutoFit/>
+          </a:bodyPr>
+          <a:lstStyle/>
+          <a:p>
+            <a:r>
+              <a:rPr lang="en-US" sz="2014" dirty="0">
+                <a:solidFill>
+                  <a:schemeClr val="bg1"/>
+                </a:solidFill>
+                <a:latin typeface="Aharoni" panose="02010803020104030203" pitchFamily="2" charset="-79"/>
+                <a:cs typeface="Aharoni" panose="02010803020104030203" pitchFamily="2" charset="-79"/>
+              </a:rPr>
+              <a:t>Society of Hispanic </a:t>
+            </a:r>
+          </a:p>
+          <a:p>
+            <a:r>
+              <a:rPr lang="en-US" sz="2014" dirty="0">
+                <a:solidFill>
+                  <a:schemeClr val="bg1"/>
+                </a:solidFill>
+                <a:latin typeface="Aharoni" panose="02010803020104030203" pitchFamily="2" charset="-79"/>
+                <a:cs typeface="Aharoni" panose="02010803020104030203" pitchFamily="2" charset="-79"/>
+              </a:rPr>
+              <a:t>Professional Engineers</a:t>
+            </a:r>
+          </a:p>
+        </p:txBody>
+      </p:sp>
+      <p:sp>
+        <p:nvSpPr>
+          <p:cNvPr id="38" name="Rectangle 37">
+            <a:extLst>
+              <a:ext uri="{FF2B5EF4-FFF2-40B4-BE49-F238E27FC236}">
+                <a16:creationId xmlns:a16="http://schemas.microsoft.com/office/drawing/2014/main" id="{161DE620-A56D-1AAF-2855-AF0D12A49933}"/>
+              </a:ext>
+            </a:extLst>
+          </p:cNvPr>
+          <p:cNvSpPr/>
+          <p:nvPr/>
+        </p:nvSpPr>
+        <p:spPr>
+          <a:xfrm>
+            <a:off x="-9987" y="6204632"/>
+            <a:ext cx="2699819" cy="1144082"/>
+          </a:xfrm>
+          <a:prstGeom prst="rect">
+            <a:avLst/>
+          </a:prstGeom>
+          <a:solidFill>
+            <a:srgbClr val="F97804"/>
+          </a:solidFill>
+          <a:ln>
+            <a:noFill/>
+          </a:ln>
+        </p:spPr>
+        <p:style>
+          <a:lnRef idx="2">
+            <a:schemeClr val="accent1">
+              <a:shade val="15000"/>
+            </a:schemeClr>
+          </a:lnRef>
+          <a:fillRef idx="1">
+            <a:schemeClr val="accent1"/>
+          </a:fillRef>
+          <a:effectRef idx="0">
+            <a:schemeClr val="accent1"/>
+          </a:effectRef>
+          <a:fontRef idx="minor">
+            <a:schemeClr val="lt1"/>
+          </a:fontRef>
+        </p:style>
+        <p:txBody>
+          <a:bodyPr rtlCol="0" anchor="ctr"/>
+          <a:lstStyle/>
+          <a:p>
+            <a:pPr algn="ctr"/>
+            <a:endParaRPr lang="en-US" sz="1524" dirty="0"/>
+          </a:p>
+        </p:txBody>
+      </p:sp>
+      <p:sp>
+        <p:nvSpPr>
+          <p:cNvPr id="39" name="Rectangle 38">
+            <a:extLst>
+              <a:ext uri="{FF2B5EF4-FFF2-40B4-BE49-F238E27FC236}">
+                <a16:creationId xmlns:a16="http://schemas.microsoft.com/office/drawing/2014/main" id="{AD427BD5-61BD-03F9-9180-5348B9224AB1}"/>
+              </a:ext>
+            </a:extLst>
+          </p:cNvPr>
+          <p:cNvSpPr/>
+          <p:nvPr/>
+        </p:nvSpPr>
+        <p:spPr>
+          <a:xfrm>
+            <a:off x="219623" y="6228554"/>
+            <a:ext cx="2788469" cy="1318482"/>
+          </a:xfrm>
+          <a:prstGeom prst="rect">
+            <a:avLst/>
+          </a:prstGeom>
+          <a:noFill/>
+        </p:spPr>
+        <p:txBody>
+          <a:bodyPr wrap="square" lIns="91994" tIns="45996" rIns="91994" bIns="45996">
+            <a:spAutoFit/>
+          </a:bodyPr>
+          <a:lstStyle/>
+          <a:p>
+            <a:r>
+              <a:rPr lang="en-US" sz="3220" dirty="0">
+                <a:solidFill>
+                  <a:schemeClr val="bg1"/>
+                </a:solidFill>
+                <a:latin typeface="Aharoni" panose="02010803020104030203" pitchFamily="2" charset="-79"/>
+                <a:cs typeface="Aharoni" panose="02010803020104030203" pitchFamily="2" charset="-79"/>
+              </a:rPr>
+              <a:t>Enjoy Some Free Food</a:t>
+            </a:r>
+          </a:p>
+          <a:p>
+            <a:endParaRPr lang="en-US" sz="1524" dirty="0">
+              <a:solidFill>
+                <a:schemeClr val="bg1"/>
+              </a:solidFill>
+              <a:latin typeface="Aharoni" panose="02010803020104030203" pitchFamily="2" charset="-79"/>
+              <a:cs typeface="Aharoni" panose="02010803020104030203" pitchFamily="2" charset="-79"/>
+            </a:endParaRPr>
+          </a:p>
+        </p:txBody>
+      </p:sp>
+      <p:sp>
+        <p:nvSpPr>
+          <p:cNvPr id="40" name="TextBox 39">
+            <a:extLst>
+              <a:ext uri="{FF2B5EF4-FFF2-40B4-BE49-F238E27FC236}">
+                <a16:creationId xmlns:a16="http://schemas.microsoft.com/office/drawing/2014/main" id="{994FEE1A-0654-9835-4518-B3C5CADE6359}"/>
+              </a:ext>
+            </a:extLst>
+          </p:cNvPr>
+          <p:cNvSpPr txBox="1"/>
+          <p:nvPr/>
+        </p:nvSpPr>
+        <p:spPr>
+          <a:xfrm>
+            <a:off x="49647" y="7988950"/>
+            <a:ext cx="10826128" cy="2431435"/>
+          </a:xfrm>
+          <a:prstGeom prst="rect">
+            <a:avLst/>
+          </a:prstGeom>
+          <a:noFill/>
+        </p:spPr>
+        <p:txBody>
+          <a:bodyPr wrap="square">
+            <a:spAutoFit/>
+          </a:bodyPr>
+          <a:lstStyle/>
+          <a:p>
+            <a:endParaRPr lang="en-US" sz="3800" dirty="0">
+              <a:latin typeface="Aharoni" panose="02010803020104030203" pitchFamily="2" charset="-79"/>
+              <a:cs typeface="Aharoni" panose="02010803020104030203" pitchFamily="2" charset="-79"/>
+            </a:endParaRPr>
+          </a:p>
+          <a:p>
+            <a:pPr marL="571500" indent="-571500">
+              <a:buFont typeface="Arial" panose="020B0604020202020204" pitchFamily="34" charset="0"/>
+              <a:buChar char="•"/>
+            </a:pPr>
+            <a:r>
+              <a:rPr lang="en-US" sz="3800" dirty="0">
+                <a:latin typeface="Aharoni" panose="02010803020104030203" pitchFamily="2" charset="-79"/>
+                <a:cs typeface="Aharoni" panose="02010803020104030203" pitchFamily="2" charset="-79"/>
+              </a:rPr>
+              <a:t>Go Cowboy’s</a:t>
+            </a:r>
+          </a:p>
+          <a:p>
+            <a:pPr marL="571500" indent="-571500">
+              <a:buFont typeface="Arial" panose="020B0604020202020204" pitchFamily="34" charset="0"/>
+              <a:buChar char="•"/>
+            </a:pPr>
+            <a:r>
+              <a:rPr lang="en-US" sz="3800" dirty="0">
+                <a:latin typeface="Aharoni" panose="02010803020104030203" pitchFamily="2" charset="-79"/>
+                <a:cs typeface="Aharoni" panose="02010803020104030203" pitchFamily="2" charset="-79"/>
+              </a:rPr>
+              <a:t>Brock Purdy is overrated</a:t>
+            </a:r>
+          </a:p>
+          <a:p>
+            <a:pPr marL="571500" indent="-571500">
+              <a:buFont typeface="Arial" panose="020B0604020202020204" pitchFamily="34" charset="0"/>
+              <a:buChar char="•"/>
+            </a:pPr>
+            <a:r>
+              <a:rPr lang="en-US" sz="3800" dirty="0">
+                <a:latin typeface="Aharoni" panose="02010803020104030203" pitchFamily="2" charset="-79"/>
+                <a:cs typeface="Aharoni" panose="02010803020104030203" pitchFamily="2" charset="-79"/>
+              </a:rPr>
+              <a:t>Bang </a:t>
+            </a:r>
+            <a:r>
+              <a:rPr lang="en-US" sz="3800" dirty="0" err="1">
+                <a:latin typeface="Aharoni" panose="02010803020104030203" pitchFamily="2" charset="-79"/>
+                <a:cs typeface="Aharoni" panose="02010803020104030203" pitchFamily="2" charset="-79"/>
+              </a:rPr>
+              <a:t>bang</a:t>
+            </a:r>
+            <a:r>
+              <a:rPr lang="en-US" sz="3800" dirty="0">
+                <a:latin typeface="Aharoni" panose="02010803020104030203" pitchFamily="2" charset="-79"/>
+                <a:cs typeface="Aharoni" panose="02010803020104030203" pitchFamily="2" charset="-79"/>
+              </a:rPr>
+              <a:t> niner gang </a:t>
+            </a:r>
+            <a:r>
+              <a:rPr lang="en-US" sz="3800" dirty="0" err="1">
+                <a:latin typeface="Aharoni" panose="02010803020104030203" pitchFamily="2" charset="-79"/>
+                <a:cs typeface="Aharoni" panose="02010803020104030203" pitchFamily="2" charset="-79"/>
+              </a:rPr>
+              <a:t>lmaooooooo</a:t>
+            </a:r>
+            <a:endParaRPr lang="en-US" sz="3800" dirty="0">
+              <a:latin typeface="Aharoni" panose="02010803020104030203" pitchFamily="2" charset="-79"/>
+              <a:cs typeface="Aharoni" panose="02010803020104030203" pitchFamily="2" charset="-79"/>
+            </a:endParaRPr>
+          </a:p>
+        </p:txBody>
+      </p:sp>
+    </p:spTree>
+    <p:extLst>
+      <p:ext uri="{BB962C8B-B14F-4D97-AF65-F5344CB8AC3E}">
+        <p14:creationId xmlns:p14="http://schemas.microsoft.com/office/powerpoint/2010/main" val="4172788491"/>
       </p:ext>
     </p:extLst>
   </p:cSld>
